--- a/문서 관리/07. 유스케이스(사용자).pptx
+++ b/문서 관리/07. 유스케이스(사용자).pptx
@@ -3054,7 +3054,7 @@
         </p:nvSpPr>
         <p:spPr>
           <a:xfrm>
-            <a:off x="4069635" y="2191072"/>
+            <a:off x="4094328" y="2161644"/>
             <a:ext cx="1050536" cy="408398"/>
           </a:xfrm>
           <a:prstGeom prst="ellipse">
@@ -3099,8 +3099,8 @@
         </p:nvCxnSpPr>
         <p:spPr>
           <a:xfrm rot="16200000" flipV="1">
-            <a:off x="4791448" y="2402925"/>
-            <a:ext cx="156872" cy="549961"/>
+            <a:off x="4789080" y="2400558"/>
+            <a:ext cx="186300" cy="525268"/>
           </a:xfrm>
           <a:prstGeom prst="curvedConnector3">
             <a:avLst>
@@ -3260,8 +3260,8 @@
         </p:nvSpPr>
         <p:spPr>
           <a:xfrm>
-            <a:off x="658402" y="2691644"/>
-            <a:ext cx="2236133" cy="1720531"/>
+            <a:off x="350181" y="2588891"/>
+            <a:ext cx="2236133" cy="2071507"/>
           </a:xfrm>
           <a:prstGeom prst="rect">
             <a:avLst/>
@@ -3302,7 +3302,7 @@
         </p:nvSpPr>
         <p:spPr>
           <a:xfrm>
-            <a:off x="3032324" y="3990232"/>
+            <a:off x="2965820" y="3990232"/>
             <a:ext cx="2553223" cy="2741896"/>
           </a:xfrm>
           <a:prstGeom prst="rect">
@@ -3344,8 +3344,8 @@
         </p:nvSpPr>
         <p:spPr>
           <a:xfrm>
-            <a:off x="4264639" y="112060"/>
-            <a:ext cx="1594987" cy="1960990"/>
+            <a:off x="4206174" y="112060"/>
+            <a:ext cx="1699365" cy="1960990"/>
           </a:xfrm>
           <a:prstGeom prst="rect">
             <a:avLst/>
@@ -4921,8 +4921,8 @@
         </p:nvSpPr>
         <p:spPr>
           <a:xfrm>
-            <a:off x="742945" y="2940443"/>
-            <a:ext cx="955372" cy="622839"/>
+            <a:off x="498240" y="3454504"/>
+            <a:ext cx="886684" cy="558904"/>
           </a:xfrm>
           <a:prstGeom prst="ellipse">
             <a:avLst/>
@@ -4971,8 +4971,8 @@
         </p:nvSpPr>
         <p:spPr>
           <a:xfrm>
-            <a:off x="742945" y="3636044"/>
-            <a:ext cx="955372" cy="622839"/>
+            <a:off x="492567" y="4068901"/>
+            <a:ext cx="873322" cy="526155"/>
           </a:xfrm>
           <a:prstGeom prst="ellipse">
             <a:avLst/>
@@ -5021,8 +5021,8 @@
         </p:nvSpPr>
         <p:spPr>
           <a:xfrm>
-            <a:off x="1867364" y="2934117"/>
-            <a:ext cx="955372" cy="622839"/>
+            <a:off x="1541019" y="3454504"/>
+            <a:ext cx="864328" cy="565230"/>
           </a:xfrm>
           <a:prstGeom prst="ellipse">
             <a:avLst/>
@@ -5071,7 +5071,7 @@
         </p:nvSpPr>
         <p:spPr>
           <a:xfrm>
-            <a:off x="787599" y="4635303"/>
+            <a:off x="852830" y="4777342"/>
             <a:ext cx="1509847" cy="1954786"/>
           </a:xfrm>
           <a:prstGeom prst="rect">
@@ -5110,17 +5110,19 @@
           <p:cNvPr id="105" name="구부러진 연결선 104"/>
           <p:cNvCxnSpPr>
             <a:stCxn id="102" idx="4"/>
+            <a:endCxn id="104" idx="1"/>
           </p:cNvCxnSpPr>
           <p:nvPr/>
         </p:nvCxnSpPr>
         <p:spPr>
-          <a:xfrm rot="16200000" flipH="1">
-            <a:off x="1211655" y="4267859"/>
-            <a:ext cx="340115" cy="322162"/>
-          </a:xfrm>
-          <a:prstGeom prst="curvedConnector3">
+          <a:xfrm rot="5400000">
+            <a:off x="311190" y="5136696"/>
+            <a:ext cx="1159679" cy="76398"/>
+          </a:xfrm>
+          <a:prstGeom prst="curvedConnector4">
             <a:avLst>
-              <a:gd name="adj1" fmla="val 50000"/>
+              <a:gd name="adj1" fmla="val 7859"/>
+              <a:gd name="adj2" fmla="val 399222"/>
             </a:avLst>
           </a:prstGeom>
           <a:ln>
@@ -5150,7 +5152,7 @@
         </p:nvSpPr>
         <p:spPr>
           <a:xfrm>
-            <a:off x="875822" y="4945027"/>
+            <a:off x="941053" y="5087066"/>
             <a:ext cx="1318725" cy="467070"/>
           </a:xfrm>
           <a:prstGeom prst="ellipse">
@@ -5192,7 +5194,7 @@
         </p:nvSpPr>
         <p:spPr>
           <a:xfrm>
-            <a:off x="875822" y="5485877"/>
+            <a:off x="941053" y="5627916"/>
             <a:ext cx="1318725" cy="467070"/>
           </a:xfrm>
           <a:prstGeom prst="ellipse">
@@ -5238,7 +5240,7 @@
         </p:nvSpPr>
         <p:spPr>
           <a:xfrm>
-            <a:off x="883159" y="6026727"/>
+            <a:off x="948390" y="6168766"/>
             <a:ext cx="1318725" cy="467070"/>
           </a:xfrm>
           <a:prstGeom prst="ellipse">
@@ -5280,7 +5282,7 @@
         </p:nvSpPr>
         <p:spPr>
           <a:xfrm>
-            <a:off x="3301222" y="4337098"/>
+            <a:off x="3234718" y="4337098"/>
             <a:ext cx="988394" cy="524200"/>
           </a:xfrm>
           <a:prstGeom prst="ellipse">
@@ -5330,7 +5332,7 @@
         </p:nvSpPr>
         <p:spPr>
           <a:xfrm>
-            <a:off x="4415610" y="4337098"/>
+            <a:off x="4349106" y="4337098"/>
             <a:ext cx="973369" cy="524200"/>
           </a:xfrm>
           <a:prstGeom prst="ellipse">
@@ -5375,8 +5377,8 @@
         </p:nvCxnSpPr>
         <p:spPr>
           <a:xfrm rot="10800000" flipV="1">
-            <a:off x="2894536" y="2960540"/>
-            <a:ext cx="1725061" cy="591369"/>
+            <a:off x="2586314" y="2960541"/>
+            <a:ext cx="2033282" cy="664104"/>
           </a:xfrm>
           <a:prstGeom prst="curvedConnector3">
             <a:avLst>
@@ -5410,7 +5412,7 @@
         </p:nvSpPr>
         <p:spPr>
           <a:xfrm>
-            <a:off x="3164975" y="4982144"/>
+            <a:off x="3098471" y="4982144"/>
             <a:ext cx="1132954" cy="524200"/>
           </a:xfrm>
           <a:prstGeom prst="ellipse">
@@ -5452,7 +5454,7 @@
         </p:nvSpPr>
         <p:spPr>
           <a:xfrm>
-            <a:off x="4424858" y="4983584"/>
+            <a:off x="4319284" y="4991006"/>
             <a:ext cx="1091116" cy="524200"/>
           </a:xfrm>
           <a:prstGeom prst="ellipse">
@@ -5494,7 +5496,7 @@
         </p:nvSpPr>
         <p:spPr>
           <a:xfrm>
-            <a:off x="3784720" y="5595036"/>
+            <a:off x="3718216" y="5595036"/>
             <a:ext cx="1132954" cy="524200"/>
           </a:xfrm>
           <a:prstGeom prst="ellipse">
@@ -5536,7 +5538,7 @@
         </p:nvSpPr>
         <p:spPr>
           <a:xfrm>
-            <a:off x="3290798" y="6094339"/>
+            <a:off x="3224294" y="6094339"/>
             <a:ext cx="813919" cy="524200"/>
           </a:xfrm>
           <a:prstGeom prst="ellipse">
@@ -5578,7 +5580,7 @@
         </p:nvSpPr>
         <p:spPr>
           <a:xfrm>
-            <a:off x="4593152" y="6087082"/>
+            <a:off x="4526648" y="6087082"/>
             <a:ext cx="808903" cy="524200"/>
           </a:xfrm>
           <a:prstGeom prst="ellipse">
@@ -5623,8 +5625,8 @@
         </p:nvCxnSpPr>
         <p:spPr>
           <a:xfrm rot="5400000">
-            <a:off x="4314154" y="3159522"/>
-            <a:ext cx="825492" cy="835928"/>
+            <a:off x="4280902" y="3126270"/>
+            <a:ext cx="825492" cy="902432"/>
           </a:xfrm>
           <a:prstGeom prst="curvedConnector3">
             <a:avLst>
@@ -5995,7 +5997,6 @@
               <a:rPr lang="en-US" altLang="ko-KR" sz="1200" dirty="0" smtClean="0"/>
               <a:t>SNS</a:t>
             </a:r>
-            <a:endParaRPr lang="en-US" altLang="ko-KR" sz="1200" dirty="0" smtClean="0"/>
           </a:p>
         </p:txBody>
       </p:sp>
@@ -7124,12 +7125,12 @@
         </p:nvCxnSpPr>
         <p:spPr>
           <a:xfrm rot="10800000">
-            <a:off x="2894535" y="3551911"/>
-            <a:ext cx="3027712" cy="2707101"/>
+            <a:off x="2586315" y="3624645"/>
+            <a:ext cx="3335933" cy="2634366"/>
           </a:xfrm>
           <a:prstGeom prst="curvedConnector3">
             <a:avLst>
-              <a:gd name="adj1" fmla="val 7993"/>
+              <a:gd name="adj1" fmla="val 7140"/>
             </a:avLst>
           </a:prstGeom>
           <a:ln w="12700" cap="flat" cmpd="sng" algn="ctr">
@@ -7165,8 +7166,8 @@
         </p:nvSpPr>
         <p:spPr>
           <a:xfrm>
-            <a:off x="1794329" y="3652807"/>
-            <a:ext cx="1049884" cy="622839"/>
+            <a:off x="1442407" y="4070024"/>
+            <a:ext cx="1075417" cy="509392"/>
           </a:xfrm>
           <a:prstGeom prst="ellipse">
             <a:avLst/>
@@ -7218,8 +7219,8 @@
         </p:nvCxnSpPr>
         <p:spPr>
           <a:xfrm rot="16200000" flipH="1">
-            <a:off x="2133030" y="4461886"/>
-            <a:ext cx="1085534" cy="713053"/>
+            <a:off x="2082086" y="4477446"/>
+            <a:ext cx="781764" cy="985704"/>
           </a:xfrm>
           <a:prstGeom prst="curvedConnector2">
             <a:avLst/>
@@ -7249,6 +7250,56 @@
           </a:fontRef>
         </p:style>
       </p:cxnSp>
+      <p:sp>
+        <p:nvSpPr>
+          <p:cNvPr id="115" name="타원 114"/>
+          <p:cNvSpPr/>
+          <p:nvPr/>
+        </p:nvSpPr>
+        <p:spPr>
+          <a:xfrm>
+            <a:off x="693449" y="2879655"/>
+            <a:ext cx="1466242" cy="558904"/>
+          </a:xfrm>
+          <a:prstGeom prst="ellipse">
+            <a:avLst/>
+          </a:prstGeom>
+        </p:spPr>
+        <p:style>
+          <a:lnRef idx="2">
+            <a:schemeClr val="dk1"/>
+          </a:lnRef>
+          <a:fillRef idx="1">
+            <a:schemeClr val="lt1"/>
+          </a:fillRef>
+          <a:effectRef idx="0">
+            <a:schemeClr val="dk1"/>
+          </a:effectRef>
+          <a:fontRef idx="minor">
+            <a:schemeClr val="dk1"/>
+          </a:fontRef>
+        </p:style>
+        <p:txBody>
+          <a:bodyPr rtlCol="0" anchor="ctr"/>
+          <a:lstStyle/>
+          <a:p>
+            <a:pPr algn="ctr"/>
+            <a:r>
+              <a:rPr lang="ko-KR" altLang="en-US" sz="1100" dirty="0" smtClean="0"/>
+              <a:t>마음건강검사</a:t>
+            </a:r>
+            <a:endParaRPr lang="en-US" altLang="ko-KR" sz="1100" dirty="0" smtClean="0"/>
+          </a:p>
+          <a:p>
+            <a:pPr algn="ctr"/>
+            <a:r>
+              <a:rPr lang="ko-KR" altLang="en-US" sz="1100" dirty="0" smtClean="0"/>
+              <a:t>실시</a:t>
+            </a:r>
+            <a:endParaRPr lang="ko-KR" altLang="en-US" sz="1100" dirty="0"/>
+          </a:p>
+        </p:txBody>
+      </p:sp>
     </p:spTree>
     <p:extLst>
       <p:ext uri="{BB962C8B-B14F-4D97-AF65-F5344CB8AC3E}">

--- a/문서 관리/07. 유스케이스(사용자).pptx
+++ b/문서 관리/07. 유스케이스(사용자).pptx
@@ -2977,7 +2977,7 @@
         </p:nvSpPr>
         <p:spPr>
           <a:xfrm>
-            <a:off x="4619596" y="2756342"/>
+            <a:off x="4512858" y="2955926"/>
             <a:ext cx="1050536" cy="408398"/>
           </a:xfrm>
           <a:prstGeom prst="ellipse">
@@ -3021,8 +3021,8 @@
         </p:nvCxnSpPr>
         <p:spPr>
           <a:xfrm rot="10800000">
-            <a:off x="5670133" y="2960541"/>
-            <a:ext cx="430177" cy="345646"/>
+            <a:off x="5563395" y="3160126"/>
+            <a:ext cx="472399" cy="236831"/>
           </a:xfrm>
           <a:prstGeom prst="curvedConnector3">
             <a:avLst/>
@@ -3099,8 +3099,8 @@
         </p:nvCxnSpPr>
         <p:spPr>
           <a:xfrm rot="16200000" flipV="1">
-            <a:off x="4789080" y="2400558"/>
-            <a:ext cx="186300" cy="525268"/>
+            <a:off x="4635919" y="2553719"/>
+            <a:ext cx="385884" cy="418530"/>
           </a:xfrm>
           <a:prstGeom prst="curvedConnector3">
             <a:avLst>
@@ -3179,8 +3179,256 @@
         </p:nvCxnSpPr>
         <p:spPr>
           <a:xfrm rot="16200000" flipV="1">
-            <a:off x="3224446" y="1267153"/>
-            <a:ext cx="412686" cy="2685309"/>
+            <a:off x="3071285" y="1420314"/>
+            <a:ext cx="612270" cy="2578571"/>
+          </a:xfrm>
+          <a:prstGeom prst="curvedConnector3">
+            <a:avLst>
+              <a:gd name="adj1" fmla="val 75796"/>
+            </a:avLst>
+          </a:prstGeom>
+          <a:ln>
+            <a:tailEnd type="triangle"/>
+          </a:ln>
+        </p:spPr>
+        <p:style>
+          <a:lnRef idx="3">
+            <a:schemeClr val="dk1"/>
+          </a:lnRef>
+          <a:fillRef idx="0">
+            <a:schemeClr val="dk1"/>
+          </a:fillRef>
+          <a:effectRef idx="2">
+            <a:schemeClr val="dk1"/>
+          </a:effectRef>
+          <a:fontRef idx="minor">
+            <a:schemeClr val="tx1"/>
+          </a:fontRef>
+        </p:style>
+      </p:cxnSp>
+      <p:sp>
+        <p:nvSpPr>
+          <p:cNvPr id="38" name="직사각형 37"/>
+          <p:cNvSpPr/>
+          <p:nvPr/>
+        </p:nvSpPr>
+        <p:spPr>
+          <a:xfrm>
+            <a:off x="6059138" y="187065"/>
+            <a:ext cx="2908177" cy="1600708"/>
+          </a:xfrm>
+          <a:prstGeom prst="rect">
+            <a:avLst/>
+          </a:prstGeom>
+        </p:spPr>
+        <p:style>
+          <a:lnRef idx="2">
+            <a:schemeClr val="dk1"/>
+          </a:lnRef>
+          <a:fillRef idx="1">
+            <a:schemeClr val="lt1"/>
+          </a:fillRef>
+          <a:effectRef idx="0">
+            <a:schemeClr val="dk1"/>
+          </a:effectRef>
+          <a:fontRef idx="minor">
+            <a:schemeClr val="dk1"/>
+          </a:fontRef>
+        </p:style>
+        <p:txBody>
+          <a:bodyPr rtlCol="0" anchor="t"/>
+          <a:lstStyle/>
+          <a:p>
+            <a:pPr algn="ctr"/>
+            <a:r>
+              <a:rPr lang="ko-KR" altLang="en-US" sz="1200" dirty="0" smtClean="0"/>
+              <a:t>서울 위</a:t>
+            </a:r>
+            <a:r>
+              <a:rPr lang="en-US" altLang="ko-KR" sz="1200" dirty="0" smtClean="0"/>
+              <a:t>(Wee)</a:t>
+            </a:r>
+            <a:endParaRPr lang="ko-KR" altLang="en-US" sz="1200" dirty="0"/>
+          </a:p>
+        </p:txBody>
+      </p:sp>
+      <p:sp>
+        <p:nvSpPr>
+          <p:cNvPr id="39" name="직사각형 38"/>
+          <p:cNvSpPr/>
+          <p:nvPr/>
+        </p:nvSpPr>
+        <p:spPr>
+          <a:xfrm>
+            <a:off x="350181" y="2588891"/>
+            <a:ext cx="2236133" cy="2071507"/>
+          </a:xfrm>
+          <a:prstGeom prst="rect">
+            <a:avLst/>
+          </a:prstGeom>
+        </p:spPr>
+        <p:style>
+          <a:lnRef idx="2">
+            <a:schemeClr val="dk1"/>
+          </a:lnRef>
+          <a:fillRef idx="1">
+            <a:schemeClr val="lt1"/>
+          </a:fillRef>
+          <a:effectRef idx="0">
+            <a:schemeClr val="dk1"/>
+          </a:effectRef>
+          <a:fontRef idx="minor">
+            <a:schemeClr val="dk1"/>
+          </a:fontRef>
+        </p:style>
+        <p:txBody>
+          <a:bodyPr rtlCol="0" anchor="t"/>
+          <a:lstStyle/>
+          <a:p>
+            <a:pPr algn="ctr"/>
+            <a:r>
+              <a:rPr lang="ko-KR" altLang="en-US" sz="1200" dirty="0" smtClean="0"/>
+              <a:t>마음건강검사</a:t>
+            </a:r>
+            <a:endParaRPr lang="ko-KR" altLang="en-US" sz="1200" dirty="0"/>
+          </a:p>
+        </p:txBody>
+      </p:sp>
+      <p:sp>
+        <p:nvSpPr>
+          <p:cNvPr id="40" name="직사각형 39"/>
+          <p:cNvSpPr/>
+          <p:nvPr/>
+        </p:nvSpPr>
+        <p:spPr>
+          <a:xfrm>
+            <a:off x="2965820" y="3990232"/>
+            <a:ext cx="2553223" cy="2741896"/>
+          </a:xfrm>
+          <a:prstGeom prst="rect">
+            <a:avLst/>
+          </a:prstGeom>
+        </p:spPr>
+        <p:style>
+          <a:lnRef idx="2">
+            <a:schemeClr val="dk1"/>
+          </a:lnRef>
+          <a:fillRef idx="1">
+            <a:schemeClr val="lt1"/>
+          </a:fillRef>
+          <a:effectRef idx="0">
+            <a:schemeClr val="dk1"/>
+          </a:effectRef>
+          <a:fontRef idx="minor">
+            <a:schemeClr val="dk1"/>
+          </a:fontRef>
+        </p:style>
+        <p:txBody>
+          <a:bodyPr rtlCol="0" anchor="t"/>
+          <a:lstStyle/>
+          <a:p>
+            <a:pPr algn="ctr"/>
+            <a:r>
+              <a:rPr lang="ko-KR" altLang="en-US" sz="1200" dirty="0" smtClean="0"/>
+              <a:t>마음건강정보</a:t>
+            </a:r>
+            <a:endParaRPr lang="ko-KR" altLang="en-US" sz="1200" dirty="0"/>
+          </a:p>
+        </p:txBody>
+      </p:sp>
+      <p:sp>
+        <p:nvSpPr>
+          <p:cNvPr id="41" name="직사각형 40"/>
+          <p:cNvSpPr/>
+          <p:nvPr/>
+        </p:nvSpPr>
+        <p:spPr>
+          <a:xfrm>
+            <a:off x="4206174" y="112060"/>
+            <a:ext cx="1699365" cy="1960990"/>
+          </a:xfrm>
+          <a:prstGeom prst="rect">
+            <a:avLst/>
+          </a:prstGeom>
+        </p:spPr>
+        <p:style>
+          <a:lnRef idx="2">
+            <a:schemeClr val="dk1"/>
+          </a:lnRef>
+          <a:fillRef idx="1">
+            <a:schemeClr val="lt1"/>
+          </a:fillRef>
+          <a:effectRef idx="0">
+            <a:schemeClr val="dk1"/>
+          </a:effectRef>
+          <a:fontRef idx="minor">
+            <a:schemeClr val="dk1"/>
+          </a:fontRef>
+        </p:style>
+        <p:txBody>
+          <a:bodyPr rtlCol="0" anchor="t"/>
+          <a:lstStyle/>
+          <a:p>
+            <a:pPr algn="ctr"/>
+            <a:r>
+              <a:rPr lang="en-US" altLang="ko-KR" sz="1200" dirty="0" smtClean="0"/>
+              <a:t>Wee-Network</a:t>
+            </a:r>
+          </a:p>
+        </p:txBody>
+      </p:sp>
+      <p:sp>
+        <p:nvSpPr>
+          <p:cNvPr id="44" name="직사각형 43"/>
+          <p:cNvSpPr/>
+          <p:nvPr/>
+        </p:nvSpPr>
+        <p:spPr>
+          <a:xfrm>
+            <a:off x="9271427" y="310882"/>
+            <a:ext cx="2734887" cy="3069114"/>
+          </a:xfrm>
+          <a:prstGeom prst="rect">
+            <a:avLst/>
+          </a:prstGeom>
+        </p:spPr>
+        <p:style>
+          <a:lnRef idx="2">
+            <a:schemeClr val="dk1"/>
+          </a:lnRef>
+          <a:fillRef idx="1">
+            <a:schemeClr val="lt1"/>
+          </a:fillRef>
+          <a:effectRef idx="0">
+            <a:schemeClr val="dk1"/>
+          </a:effectRef>
+          <a:fontRef idx="minor">
+            <a:schemeClr val="dk1"/>
+          </a:fontRef>
+        </p:style>
+        <p:txBody>
+          <a:bodyPr rtlCol="0" anchor="t"/>
+          <a:lstStyle/>
+          <a:p>
+            <a:pPr algn="ctr"/>
+            <a:r>
+              <a:rPr lang="ko-KR" altLang="en-US" sz="1200" smtClean="0"/>
+              <a:t>상담신청</a:t>
+            </a:r>
+            <a:endParaRPr lang="ko-KR" altLang="en-US" sz="1200" dirty="0"/>
+          </a:p>
+        </p:txBody>
+      </p:sp>
+      <p:cxnSp>
+        <p:nvCxnSpPr>
+          <p:cNvPr id="47" name="구부러진 연결선 46"/>
+          <p:cNvCxnSpPr/>
+          <p:nvPr/>
+        </p:nvCxnSpPr>
+        <p:spPr>
+          <a:xfrm rot="5400000" flipH="1" flipV="1">
+            <a:off x="6074090" y="2478983"/>
+            <a:ext cx="616626" cy="305454"/>
           </a:xfrm>
           <a:prstGeom prst="curvedConnector3">
             <a:avLst>
@@ -3208,254 +3456,6 @@
       </p:cxnSp>
       <p:sp>
         <p:nvSpPr>
-          <p:cNvPr id="38" name="직사각형 37"/>
-          <p:cNvSpPr/>
-          <p:nvPr/>
-        </p:nvSpPr>
-        <p:spPr>
-          <a:xfrm>
-            <a:off x="6059138" y="187065"/>
-            <a:ext cx="2908177" cy="1600708"/>
-          </a:xfrm>
-          <a:prstGeom prst="rect">
-            <a:avLst/>
-          </a:prstGeom>
-        </p:spPr>
-        <p:style>
-          <a:lnRef idx="2">
-            <a:schemeClr val="dk1"/>
-          </a:lnRef>
-          <a:fillRef idx="1">
-            <a:schemeClr val="lt1"/>
-          </a:fillRef>
-          <a:effectRef idx="0">
-            <a:schemeClr val="dk1"/>
-          </a:effectRef>
-          <a:fontRef idx="minor">
-            <a:schemeClr val="dk1"/>
-          </a:fontRef>
-        </p:style>
-        <p:txBody>
-          <a:bodyPr rtlCol="0" anchor="t"/>
-          <a:lstStyle/>
-          <a:p>
-            <a:pPr algn="ctr"/>
-            <a:r>
-              <a:rPr lang="ko-KR" altLang="en-US" sz="1200" dirty="0" smtClean="0"/>
-              <a:t>서울 위</a:t>
-            </a:r>
-            <a:r>
-              <a:rPr lang="en-US" altLang="ko-KR" sz="1200" dirty="0" smtClean="0"/>
-              <a:t>(Wee)</a:t>
-            </a:r>
-            <a:endParaRPr lang="ko-KR" altLang="en-US" sz="1200" dirty="0"/>
-          </a:p>
-        </p:txBody>
-      </p:sp>
-      <p:sp>
-        <p:nvSpPr>
-          <p:cNvPr id="39" name="직사각형 38"/>
-          <p:cNvSpPr/>
-          <p:nvPr/>
-        </p:nvSpPr>
-        <p:spPr>
-          <a:xfrm>
-            <a:off x="350181" y="2588891"/>
-            <a:ext cx="2236133" cy="2071507"/>
-          </a:xfrm>
-          <a:prstGeom prst="rect">
-            <a:avLst/>
-          </a:prstGeom>
-        </p:spPr>
-        <p:style>
-          <a:lnRef idx="2">
-            <a:schemeClr val="dk1"/>
-          </a:lnRef>
-          <a:fillRef idx="1">
-            <a:schemeClr val="lt1"/>
-          </a:fillRef>
-          <a:effectRef idx="0">
-            <a:schemeClr val="dk1"/>
-          </a:effectRef>
-          <a:fontRef idx="minor">
-            <a:schemeClr val="dk1"/>
-          </a:fontRef>
-        </p:style>
-        <p:txBody>
-          <a:bodyPr rtlCol="0" anchor="t"/>
-          <a:lstStyle/>
-          <a:p>
-            <a:pPr algn="ctr"/>
-            <a:r>
-              <a:rPr lang="ko-KR" altLang="en-US" sz="1200" dirty="0" smtClean="0"/>
-              <a:t>마음건강검사</a:t>
-            </a:r>
-            <a:endParaRPr lang="ko-KR" altLang="en-US" sz="1200" dirty="0"/>
-          </a:p>
-        </p:txBody>
-      </p:sp>
-      <p:sp>
-        <p:nvSpPr>
-          <p:cNvPr id="40" name="직사각형 39"/>
-          <p:cNvSpPr/>
-          <p:nvPr/>
-        </p:nvSpPr>
-        <p:spPr>
-          <a:xfrm>
-            <a:off x="2965820" y="3990232"/>
-            <a:ext cx="2553223" cy="2741896"/>
-          </a:xfrm>
-          <a:prstGeom prst="rect">
-            <a:avLst/>
-          </a:prstGeom>
-        </p:spPr>
-        <p:style>
-          <a:lnRef idx="2">
-            <a:schemeClr val="dk1"/>
-          </a:lnRef>
-          <a:fillRef idx="1">
-            <a:schemeClr val="lt1"/>
-          </a:fillRef>
-          <a:effectRef idx="0">
-            <a:schemeClr val="dk1"/>
-          </a:effectRef>
-          <a:fontRef idx="minor">
-            <a:schemeClr val="dk1"/>
-          </a:fontRef>
-        </p:style>
-        <p:txBody>
-          <a:bodyPr rtlCol="0" anchor="t"/>
-          <a:lstStyle/>
-          <a:p>
-            <a:pPr algn="ctr"/>
-            <a:r>
-              <a:rPr lang="ko-KR" altLang="en-US" sz="1200" dirty="0" smtClean="0"/>
-              <a:t>마음건강정보</a:t>
-            </a:r>
-            <a:endParaRPr lang="ko-KR" altLang="en-US" sz="1200" dirty="0"/>
-          </a:p>
-        </p:txBody>
-      </p:sp>
-      <p:sp>
-        <p:nvSpPr>
-          <p:cNvPr id="41" name="직사각형 40"/>
-          <p:cNvSpPr/>
-          <p:nvPr/>
-        </p:nvSpPr>
-        <p:spPr>
-          <a:xfrm>
-            <a:off x="4206174" y="112060"/>
-            <a:ext cx="1699365" cy="1960990"/>
-          </a:xfrm>
-          <a:prstGeom prst="rect">
-            <a:avLst/>
-          </a:prstGeom>
-        </p:spPr>
-        <p:style>
-          <a:lnRef idx="2">
-            <a:schemeClr val="dk1"/>
-          </a:lnRef>
-          <a:fillRef idx="1">
-            <a:schemeClr val="lt1"/>
-          </a:fillRef>
-          <a:effectRef idx="0">
-            <a:schemeClr val="dk1"/>
-          </a:effectRef>
-          <a:fontRef idx="minor">
-            <a:schemeClr val="dk1"/>
-          </a:fontRef>
-        </p:style>
-        <p:txBody>
-          <a:bodyPr rtlCol="0" anchor="t"/>
-          <a:lstStyle/>
-          <a:p>
-            <a:pPr algn="ctr"/>
-            <a:r>
-              <a:rPr lang="en-US" altLang="ko-KR" sz="1200" dirty="0" smtClean="0"/>
-              <a:t>Wee-Network</a:t>
-            </a:r>
-          </a:p>
-        </p:txBody>
-      </p:sp>
-      <p:sp>
-        <p:nvSpPr>
-          <p:cNvPr id="44" name="직사각형 43"/>
-          <p:cNvSpPr/>
-          <p:nvPr/>
-        </p:nvSpPr>
-        <p:spPr>
-          <a:xfrm>
-            <a:off x="9271427" y="310882"/>
-            <a:ext cx="2734887" cy="3069114"/>
-          </a:xfrm>
-          <a:prstGeom prst="rect">
-            <a:avLst/>
-          </a:prstGeom>
-        </p:spPr>
-        <p:style>
-          <a:lnRef idx="2">
-            <a:schemeClr val="dk1"/>
-          </a:lnRef>
-          <a:fillRef idx="1">
-            <a:schemeClr val="lt1"/>
-          </a:fillRef>
-          <a:effectRef idx="0">
-            <a:schemeClr val="dk1"/>
-          </a:effectRef>
-          <a:fontRef idx="minor">
-            <a:schemeClr val="dk1"/>
-          </a:fontRef>
-        </p:style>
-        <p:txBody>
-          <a:bodyPr rtlCol="0" anchor="t"/>
-          <a:lstStyle/>
-          <a:p>
-            <a:pPr algn="ctr"/>
-            <a:r>
-              <a:rPr lang="ko-KR" altLang="en-US" sz="1200" smtClean="0"/>
-              <a:t>상담신청</a:t>
-            </a:r>
-            <a:endParaRPr lang="ko-KR" altLang="en-US" sz="1200" dirty="0"/>
-          </a:p>
-        </p:txBody>
-      </p:sp>
-      <p:cxnSp>
-        <p:nvCxnSpPr>
-          <p:cNvPr id="47" name="구부러진 연결선 46"/>
-          <p:cNvCxnSpPr/>
-          <p:nvPr/>
-        </p:nvCxnSpPr>
-        <p:spPr>
-          <a:xfrm rot="5400000" flipH="1" flipV="1">
-            <a:off x="6074090" y="2478983"/>
-            <a:ext cx="616626" cy="305454"/>
-          </a:xfrm>
-          <a:prstGeom prst="curvedConnector3">
-            <a:avLst>
-              <a:gd name="adj1" fmla="val 50000"/>
-            </a:avLst>
-          </a:prstGeom>
-          <a:ln>
-            <a:tailEnd type="triangle"/>
-          </a:ln>
-        </p:spPr>
-        <p:style>
-          <a:lnRef idx="3">
-            <a:schemeClr val="dk1"/>
-          </a:lnRef>
-          <a:fillRef idx="0">
-            <a:schemeClr val="dk1"/>
-          </a:fillRef>
-          <a:effectRef idx="2">
-            <a:schemeClr val="dk1"/>
-          </a:effectRef>
-          <a:fontRef idx="minor">
-            <a:schemeClr val="tx1"/>
-          </a:fontRef>
-        </p:style>
-      </p:cxnSp>
-      <p:sp>
-        <p:nvSpPr>
           <p:cNvPr id="52" name="직사각형 51"/>
           <p:cNvSpPr/>
           <p:nvPr/>
@@ -3508,8 +3508,8 @@
         </p:nvCxnSpPr>
         <p:spPr>
           <a:xfrm rot="16200000" flipV="1">
-            <a:off x="5129875" y="2140109"/>
-            <a:ext cx="1004016" cy="869897"/>
+            <a:off x="5190330" y="2079656"/>
+            <a:ext cx="923727" cy="910516"/>
           </a:xfrm>
           <a:prstGeom prst="curvedConnector3">
             <a:avLst>
@@ -4534,14 +4534,14 @@
         </p:nvCxnSpPr>
         <p:spPr>
           <a:xfrm rot="16200000" flipH="1">
-            <a:off x="7795655" y="536780"/>
-            <a:ext cx="563845" cy="5122586"/>
+            <a:off x="7842078" y="583203"/>
+            <a:ext cx="364261" cy="5229324"/>
           </a:xfrm>
           <a:prstGeom prst="curvedConnector5">
             <a:avLst>
-              <a:gd name="adj1" fmla="val -40543"/>
-              <a:gd name="adj2" fmla="val 38154"/>
-              <a:gd name="adj3" fmla="val 140543"/>
+              <a:gd name="adj1" fmla="val -62757"/>
+              <a:gd name="adj2" fmla="val 39191"/>
+              <a:gd name="adj3" fmla="val 162757"/>
             </a:avLst>
           </a:prstGeom>
           <a:ln>
@@ -5377,8 +5377,8 @@
         </p:nvCxnSpPr>
         <p:spPr>
           <a:xfrm rot="10800000" flipV="1">
-            <a:off x="2586314" y="2960541"/>
-            <a:ext cx="2033282" cy="664104"/>
+            <a:off x="2586314" y="3160125"/>
+            <a:ext cx="1926544" cy="464520"/>
           </a:xfrm>
           <a:prstGeom prst="curvedConnector3">
             <a:avLst>
@@ -5618,20 +5618,17 @@
         <p:nvCxnSpPr>
           <p:cNvPr id="132" name="구부러진 연결선 131"/>
           <p:cNvCxnSpPr>
-            <a:stCxn id="24" idx="4"/>
             <a:endCxn id="40" idx="0"/>
           </p:cNvCxnSpPr>
           <p:nvPr/>
         </p:nvCxnSpPr>
         <p:spPr>
-          <a:xfrm rot="5400000">
-            <a:off x="4280902" y="3126270"/>
-            <a:ext cx="825492" cy="902432"/>
-          </a:xfrm>
-          <a:prstGeom prst="curvedConnector3">
-            <a:avLst>
-              <a:gd name="adj1" fmla="val 50000"/>
-            </a:avLst>
+          <a:xfrm rot="10800000" flipV="1">
+            <a:off x="4242433" y="3541306"/>
+            <a:ext cx="1850647" cy="448926"/>
+          </a:xfrm>
+          <a:prstGeom prst="curvedConnector2">
+            <a:avLst/>
           </a:prstGeom>
           <a:ln>
             <a:tailEnd type="triangle"/>
@@ -5934,8 +5931,8 @@
         </p:nvCxnSpPr>
         <p:spPr>
           <a:xfrm>
-            <a:off x="6456910" y="3306187"/>
-            <a:ext cx="1769222" cy="390942"/>
+            <a:off x="6521899" y="3391039"/>
+            <a:ext cx="1704233" cy="306090"/>
           </a:xfrm>
           <a:prstGeom prst="curvedConnector2">
             <a:avLst/>
@@ -6774,8 +6771,8 @@
           </a:xfrm>
           <a:prstGeom prst="curvedConnector5">
             <a:avLst>
-              <a:gd name="adj1" fmla="val -167975"/>
-              <a:gd name="adj2" fmla="val 23421"/>
+              <a:gd name="adj1" fmla="val -76353"/>
+              <a:gd name="adj2" fmla="val 27253"/>
               <a:gd name="adj3" fmla="val 267975"/>
             </a:avLst>
           </a:prstGeom>
@@ -6898,7 +6895,7 @@
         </p:nvSpPr>
         <p:spPr>
           <a:xfrm>
-            <a:off x="7651633" y="1902775"/>
+            <a:off x="7626694" y="1919401"/>
             <a:ext cx="1484619" cy="1334535"/>
           </a:xfrm>
           <a:prstGeom prst="rect">
@@ -6940,7 +6937,7 @@
         </p:nvSpPr>
         <p:spPr>
           <a:xfrm>
-            <a:off x="7955745" y="2680752"/>
+            <a:off x="7930806" y="2697378"/>
             <a:ext cx="853183" cy="514775"/>
           </a:xfrm>
           <a:prstGeom prst="ellipse">
@@ -6990,7 +6987,7 @@
         </p:nvSpPr>
         <p:spPr>
           <a:xfrm>
-            <a:off x="7958577" y="2161227"/>
+            <a:off x="7933638" y="2177853"/>
             <a:ext cx="853183" cy="477748"/>
           </a:xfrm>
           <a:prstGeom prst="ellipse">
@@ -7043,8 +7040,8 @@
         </p:nvCxnSpPr>
         <p:spPr>
           <a:xfrm rot="10800000" flipV="1">
-            <a:off x="9136253" y="2519191"/>
-            <a:ext cx="337087" cy="50851"/>
+            <a:off x="9111313" y="2519191"/>
+            <a:ext cx="362026" cy="67477"/>
           </a:xfrm>
           <a:prstGeom prst="curvedConnector3">
             <a:avLst>
